--- a/Day-4/Graph Data and Analysis.pptx
+++ b/Day-4/Graph Data and Analysis.pptx
@@ -264,7 +264,7 @@
           <a:p>
             <a:fld id="{187C06C4-C5A6-48FB-97F5-B20A44F857E9}" type="datetimeFigureOut">
               <a:rPr lang="en-US" smtClean="0"/>
-              <a:t>7/7/2025</a:t>
+              <a:t>7/16/2025</a:t>
             </a:fld>
             <a:endParaRPr lang="en-US"/>
           </a:p>
@@ -441,7 +441,7 @@
           <a:p>
             <a:fld id="{F8F2B2CC-0155-4E5E-A890-531D58ADF5B2}" type="datetimeFigureOut">
               <a:rPr lang="en-US" smtClean="0"/>
-              <a:t>7/7/2025</a:t>
+              <a:t>7/16/2025</a:t>
             </a:fld>
             <a:endParaRPr lang="en-US"/>
           </a:p>
@@ -1628,7 +1628,7 @@
                 </a:solidFill>
               </a:rPr>
               <a:pPr/>
-              <a:t>7/7/2025</a:t>
+              <a:t>7/16/2025</a:t>
             </a:fld>
             <a:endParaRPr lang="en-US" dirty="0">
               <a:solidFill>
@@ -9547,7 +9547,7 @@
             </a:pPr>
             <a:r>
               <a:rPr lang="en-US" sz="2400" dirty="0"/>
-              <a:t>Example: Multiple flights between two cities.</a:t>
+              <a:t>Example: Multiple flights between2 two cities.</a:t>
             </a:r>
           </a:p>
           <a:p>
@@ -9581,8 +9581,8 @@
         </p:blipFill>
         <p:spPr>
           <a:xfrm>
-            <a:off x="2519185" y="3300341"/>
-            <a:ext cx="7153629" cy="3036566"/>
+            <a:off x="3038519" y="3741234"/>
+            <a:ext cx="6114962" cy="2595673"/>
           </a:xfrm>
           <a:prstGeom prst="rect">
             <a:avLst/>
@@ -15484,12 +15484,6 @@
             <a:r>
               <a:rPr lang="en-US" b="1" dirty="0"/>
               <a:t>Community Detection</a:t>
-            </a:r>
-          </a:p>
-          <a:p>
-            <a:r>
-              <a:rPr lang="en-US" b="1" dirty="0"/>
-              <a:t>Some Real-World Examples</a:t>
             </a:r>
           </a:p>
         </p:txBody>
@@ -34250,6 +34244,25 @@
 </file>
 
 <file path=customXml/item1.xml><?xml version="1.0" encoding="utf-8"?>
+<p:properties xmlns:p="http://schemas.microsoft.com/office/2006/metadata/properties" xmlns:xsi="http://www.w3.org/2001/XMLSchema-instance" xmlns:pc="http://schemas.microsoft.com/office/infopath/2007/PartnerControls">
+  <documentManagement>
+    <Status xmlns="71af3243-3dd4-4a8d-8c0d-dd76da1f02a5">Not started</Status>
+    <_ip_UnifiedCompliancePolicyUIAction xmlns="http://schemas.microsoft.com/sharepoint/v3" xsi:nil="true"/>
+    <Image xmlns="71af3243-3dd4-4a8d-8c0d-dd76da1f02a5">
+      <Url xsi:nil="true"/>
+      <Description xsi:nil="true"/>
+    </Image>
+    <_ip_UnifiedCompliancePolicyProperties xmlns="http://schemas.microsoft.com/sharepoint/v3" xsi:nil="true"/>
+    <lcf76f155ced4ddcb4097134ff3c332f xmlns="71af3243-3dd4-4a8d-8c0d-dd76da1f02a5">
+      <Terms xmlns="http://schemas.microsoft.com/office/infopath/2007/PartnerControls"/>
+    </lcf76f155ced4ddcb4097134ff3c332f>
+    <TaxCatchAll xmlns="230e9df3-be65-4c73-a93b-d1236ebd677e"/>
+    <MediaServiceKeyPoints xmlns="71af3243-3dd4-4a8d-8c0d-dd76da1f02a5" xsi:nil="true"/>
+  </documentManagement>
+</p:properties>
+</file>
+
+<file path=customXml/item2.xml><?xml version="1.0" encoding="utf-8"?>
 <?mso-contentType ?>
 <FormTemplates xmlns="http://schemas.microsoft.com/sharepoint/v3/contenttype/forms">
   <Display>DocumentLibraryForm</Display>
@@ -34258,7 +34271,7 @@
 </FormTemplates>
 </file>
 
-<file path=customXml/item2.xml><?xml version="1.0" encoding="utf-8"?>
+<file path=customXml/item3.xml><?xml version="1.0" encoding="utf-8"?>
 <ct:contentTypeSchema xmlns:ct="http://schemas.microsoft.com/office/2006/metadata/contentType" xmlns:ma="http://schemas.microsoft.com/office/2006/metadata/properties/metaAttributes" ct:_="" ma:_="" ma:contentTypeName="Document" ma:contentTypeID="0x01010079F111ED35F8CC479449609E8A0923A6" ma:contentTypeVersion="18" ma:contentTypeDescription="Create a new document." ma:contentTypeScope="" ma:versionID="22a266b9fa9a230c5a512669d8b298c3">
   <xsd:schema xmlns:xsd="http://www.w3.org/2001/XMLSchema" xmlns:xs="http://www.w3.org/2001/XMLSchema" xmlns:p="http://schemas.microsoft.com/office/2006/metadata/properties" xmlns:ns1="http://schemas.microsoft.com/sharepoint/v3" xmlns:ns2="71af3243-3dd4-4a8d-8c0d-dd76da1f02a5" xmlns:ns3="16c05727-aa75-4e4a-9b5f-8a80a1165891" xmlns:ns4="230e9df3-be65-4c73-a93b-d1236ebd677e" targetNamespace="http://schemas.microsoft.com/office/2006/metadata/properties" ma:root="true" ma:fieldsID="eddc33fff6b14141ee5c74a0d29ea6a1" ns1:_="" ns2:_="" ns3:_="" ns4:_="">
     <xsd:import namespace="http://schemas.microsoft.com/sharepoint/v3"/>
@@ -34534,26 +34547,19 @@
 </ct:contentTypeSchema>
 </file>
 
-<file path=customXml/item3.xml><?xml version="1.0" encoding="utf-8"?>
-<p:properties xmlns:p="http://schemas.microsoft.com/office/2006/metadata/properties" xmlns:xsi="http://www.w3.org/2001/XMLSchema-instance" xmlns:pc="http://schemas.microsoft.com/office/infopath/2007/PartnerControls">
-  <documentManagement>
-    <Status xmlns="71af3243-3dd4-4a8d-8c0d-dd76da1f02a5">Not started</Status>
-    <_ip_UnifiedCompliancePolicyUIAction xmlns="http://schemas.microsoft.com/sharepoint/v3" xsi:nil="true"/>
-    <Image xmlns="71af3243-3dd4-4a8d-8c0d-dd76da1f02a5">
-      <Url xsi:nil="true"/>
-      <Description xsi:nil="true"/>
-    </Image>
-    <_ip_UnifiedCompliancePolicyProperties xmlns="http://schemas.microsoft.com/sharepoint/v3" xsi:nil="true"/>
-    <lcf76f155ced4ddcb4097134ff3c332f xmlns="71af3243-3dd4-4a8d-8c0d-dd76da1f02a5">
-      <Terms xmlns="http://schemas.microsoft.com/office/infopath/2007/PartnerControls"/>
-    </lcf76f155ced4ddcb4097134ff3c332f>
-    <TaxCatchAll xmlns="230e9df3-be65-4c73-a93b-d1236ebd677e"/>
-    <MediaServiceKeyPoints xmlns="71af3243-3dd4-4a8d-8c0d-dd76da1f02a5" xsi:nil="true"/>
-  </documentManagement>
-</p:properties>
+<file path=customXml/itemProps1.xml><?xml version="1.0" encoding="utf-8"?>
+<ds:datastoreItem xmlns:ds="http://schemas.openxmlformats.org/officeDocument/2006/customXml" ds:itemID="{DAAFE2A1-77F8-441E-9B9F-DD61C354F4FE}">
+  <ds:schemaRefs>
+    <ds:schemaRef ds:uri="http://schemas.microsoft.com/office/2006/metadata/properties"/>
+    <ds:schemaRef ds:uri="http://schemas.microsoft.com/office/infopath/2007/PartnerControls"/>
+    <ds:schemaRef ds:uri="71af3243-3dd4-4a8d-8c0d-dd76da1f02a5"/>
+    <ds:schemaRef ds:uri="http://schemas.microsoft.com/sharepoint/v3"/>
+    <ds:schemaRef ds:uri="230e9df3-be65-4c73-a93b-d1236ebd677e"/>
+  </ds:schemaRefs>
+</ds:datastoreItem>
 </file>
 
-<file path=customXml/itemProps1.xml><?xml version="1.0" encoding="utf-8"?>
+<file path=customXml/itemProps2.xml><?xml version="1.0" encoding="utf-8"?>
 <ds:datastoreItem xmlns:ds="http://schemas.openxmlformats.org/officeDocument/2006/customXml" ds:itemID="{5CF4B188-9E41-4609-81DC-EA2587D009AE}">
   <ds:schemaRefs>
     <ds:schemaRef ds:uri="http://schemas.microsoft.com/sharepoint/v3/contenttype/forms"/>
@@ -34561,7 +34567,7 @@
 </ds:datastoreItem>
 </file>
 
-<file path=customXml/itemProps2.xml><?xml version="1.0" encoding="utf-8"?>
+<file path=customXml/itemProps3.xml><?xml version="1.0" encoding="utf-8"?>
 <ds:datastoreItem xmlns:ds="http://schemas.openxmlformats.org/officeDocument/2006/customXml" ds:itemID="{56052644-F409-493B-8E91-969D43897F27}">
   <ds:schemaRefs>
     <ds:schemaRef ds:uri="http://schemas.microsoft.com/office/2006/metadata/contentType"/>
@@ -34580,16 +34586,4 @@
     <ds:schemaRef ds:uri="http://schemas.microsoft.com/internal/obd"/>
   </ds:schemaRefs>
 </ds:datastoreItem>
-</file>
-
-<file path=customXml/itemProps3.xml><?xml version="1.0" encoding="utf-8"?>
-<ds:datastoreItem xmlns:ds="http://schemas.openxmlformats.org/officeDocument/2006/customXml" ds:itemID="{DAAFE2A1-77F8-441E-9B9F-DD61C354F4FE}">
-  <ds:schemaRefs>
-    <ds:schemaRef ds:uri="http://schemas.microsoft.com/office/2006/metadata/properties"/>
-    <ds:schemaRef ds:uri="http://schemas.microsoft.com/office/infopath/2007/PartnerControls"/>
-    <ds:schemaRef ds:uri="71af3243-3dd4-4a8d-8c0d-dd76da1f02a5"/>
-    <ds:schemaRef ds:uri="http://schemas.microsoft.com/sharepoint/v3"/>
-    <ds:schemaRef ds:uri="230e9df3-be65-4c73-a93b-d1236ebd677e"/>
-  </ds:schemaRefs>
-</ds:datastoreItem>
 </file>